--- a/Slides/java_aprendizado_2.pptx
+++ b/Slides/java_aprendizado_2.pptx
@@ -648,7 +648,7 @@
   <pc:docChgLst>
     <pc:chgData name="Sidnei Gomes de Almeida Junior" userId="eec3f0bb295ba151" providerId="LiveId" clId="{0BB0D356-311A-46FA-8F98-52E5396BF54D}"/>
     <pc:docChg chg="undo custSel addSld delSld modSld sldOrd">
-      <pc:chgData name="Sidnei Gomes de Almeida Junior" userId="eec3f0bb295ba151" providerId="LiveId" clId="{0BB0D356-311A-46FA-8F98-52E5396BF54D}" dt="2021-10-02T16:08:01.081" v="883"/>
+      <pc:chgData name="Sidnei Gomes de Almeida Junior" userId="eec3f0bb295ba151" providerId="LiveId" clId="{0BB0D356-311A-46FA-8F98-52E5396BF54D}" dt="2021-11-13T20:14:01.422" v="887" actId="20577"/>
       <pc:docMkLst>
         <pc:docMk/>
       </pc:docMkLst>
@@ -728,7 +728,7 @@
         </pc:sldMkLst>
       </pc:sldChg>
       <pc:sldChg chg="modSp add mod">
-        <pc:chgData name="Sidnei Gomes de Almeida Junior" userId="eec3f0bb295ba151" providerId="LiveId" clId="{0BB0D356-311A-46FA-8F98-52E5396BF54D}" dt="2021-10-02T07:07:40.003" v="881" actId="20577"/>
+        <pc:chgData name="Sidnei Gomes de Almeida Junior" userId="eec3f0bb295ba151" providerId="LiveId" clId="{0BB0D356-311A-46FA-8F98-52E5396BF54D}" dt="2021-11-13T20:14:01.422" v="887" actId="20577"/>
         <pc:sldMkLst>
           <pc:docMk/>
           <pc:sldMk cId="1842130398" sldId="261"/>
@@ -742,7 +742,7 @@
           </ac:spMkLst>
         </pc:spChg>
         <pc:spChg chg="mod">
-          <ac:chgData name="Sidnei Gomes de Almeida Junior" userId="eec3f0bb295ba151" providerId="LiveId" clId="{0BB0D356-311A-46FA-8F98-52E5396BF54D}" dt="2021-10-02T07:07:40.003" v="881" actId="20577"/>
+          <ac:chgData name="Sidnei Gomes de Almeida Junior" userId="eec3f0bb295ba151" providerId="LiveId" clId="{0BB0D356-311A-46FA-8F98-52E5396BF54D}" dt="2021-11-13T20:14:01.422" v="887" actId="20577"/>
           <ac:spMkLst>
             <pc:docMk/>
             <pc:sldMk cId="1842130398" sldId="261"/>
@@ -2633,7 +2633,7 @@
           <a:p>
             <a:fld id="{645FBA11-369E-42FD-ADDD-509D8CFD7B21}" type="datetimeFigureOut">
               <a:rPr lang="pt-BR" smtClean="0"/>
-              <a:t>02/10/2021</a:t>
+              <a:t>13/11/2021</a:t>
             </a:fld>
             <a:endParaRPr lang="pt-BR"/>
           </a:p>
@@ -3626,7 +3626,7 @@
           <a:p>
             <a:fld id="{3A2F720F-32C2-4E6A-BEE6-680F2789BE1C}" type="datetimeFigureOut">
               <a:rPr lang="pt-BR" smtClean="0"/>
-              <a:t>02/10/2021</a:t>
+              <a:t>13/11/2021</a:t>
             </a:fld>
             <a:endParaRPr lang="pt-BR"/>
           </a:p>
@@ -3877,7 +3877,7 @@
           <a:p>
             <a:fld id="{3A2F720F-32C2-4E6A-BEE6-680F2789BE1C}" type="datetimeFigureOut">
               <a:rPr lang="pt-BR" smtClean="0"/>
-              <a:t>02/10/2021</a:t>
+              <a:t>13/11/2021</a:t>
             </a:fld>
             <a:endParaRPr lang="pt-BR"/>
           </a:p>
@@ -4191,7 +4191,7 @@
           <a:p>
             <a:fld id="{3A2F720F-32C2-4E6A-BEE6-680F2789BE1C}" type="datetimeFigureOut">
               <a:rPr lang="pt-BR" smtClean="0"/>
-              <a:t>02/10/2021</a:t>
+              <a:t>13/11/2021</a:t>
             </a:fld>
             <a:endParaRPr lang="pt-BR"/>
           </a:p>
@@ -4518,7 +4518,7 @@
           <a:p>
             <a:fld id="{3A2F720F-32C2-4E6A-BEE6-680F2789BE1C}" type="datetimeFigureOut">
               <a:rPr lang="pt-BR" smtClean="0"/>
-              <a:t>02/10/2021</a:t>
+              <a:t>13/11/2021</a:t>
             </a:fld>
             <a:endParaRPr lang="pt-BR"/>
           </a:p>
@@ -4832,7 +4832,7 @@
           <a:p>
             <a:fld id="{3A2F720F-32C2-4E6A-BEE6-680F2789BE1C}" type="datetimeFigureOut">
               <a:rPr lang="pt-BR" smtClean="0"/>
-              <a:t>02/10/2021</a:t>
+              <a:t>13/11/2021</a:t>
             </a:fld>
             <a:endParaRPr lang="pt-BR"/>
           </a:p>
@@ -5219,7 +5219,7 @@
           <a:p>
             <a:fld id="{3A2F720F-32C2-4E6A-BEE6-680F2789BE1C}" type="datetimeFigureOut">
               <a:rPr lang="pt-BR" smtClean="0"/>
-              <a:t>02/10/2021</a:t>
+              <a:t>13/11/2021</a:t>
             </a:fld>
             <a:endParaRPr lang="pt-BR"/>
           </a:p>
@@ -5389,7 +5389,7 @@
           <a:p>
             <a:fld id="{3A2F720F-32C2-4E6A-BEE6-680F2789BE1C}" type="datetimeFigureOut">
               <a:rPr lang="pt-BR" smtClean="0"/>
-              <a:t>02/10/2021</a:t>
+              <a:t>13/11/2021</a:t>
             </a:fld>
             <a:endParaRPr lang="pt-BR"/>
           </a:p>
@@ -5569,7 +5569,7 @@
           <a:p>
             <a:fld id="{3A2F720F-32C2-4E6A-BEE6-680F2789BE1C}" type="datetimeFigureOut">
               <a:rPr lang="pt-BR" smtClean="0"/>
-              <a:t>02/10/2021</a:t>
+              <a:t>13/11/2021</a:t>
             </a:fld>
             <a:endParaRPr lang="pt-BR"/>
           </a:p>
@@ -5739,7 +5739,7 @@
           <a:p>
             <a:fld id="{3A2F720F-32C2-4E6A-BEE6-680F2789BE1C}" type="datetimeFigureOut">
               <a:rPr lang="pt-BR" smtClean="0"/>
-              <a:t>02/10/2021</a:t>
+              <a:t>13/11/2021</a:t>
             </a:fld>
             <a:endParaRPr lang="pt-BR"/>
           </a:p>
@@ -5986,7 +5986,7 @@
           <a:p>
             <a:fld id="{3A2F720F-32C2-4E6A-BEE6-680F2789BE1C}" type="datetimeFigureOut">
               <a:rPr lang="pt-BR" smtClean="0"/>
-              <a:t>02/10/2021</a:t>
+              <a:t>13/11/2021</a:t>
             </a:fld>
             <a:endParaRPr lang="pt-BR"/>
           </a:p>
@@ -6218,7 +6218,7 @@
           <a:p>
             <a:fld id="{3A2F720F-32C2-4E6A-BEE6-680F2789BE1C}" type="datetimeFigureOut">
               <a:rPr lang="pt-BR" smtClean="0"/>
-              <a:t>02/10/2021</a:t>
+              <a:t>13/11/2021</a:t>
             </a:fld>
             <a:endParaRPr lang="pt-BR"/>
           </a:p>
@@ -6592,7 +6592,7 @@
           <a:p>
             <a:fld id="{3A2F720F-32C2-4E6A-BEE6-680F2789BE1C}" type="datetimeFigureOut">
               <a:rPr lang="pt-BR" smtClean="0"/>
-              <a:t>02/10/2021</a:t>
+              <a:t>13/11/2021</a:t>
             </a:fld>
             <a:endParaRPr lang="pt-BR"/>
           </a:p>
@@ -6715,7 +6715,7 @@
           <a:p>
             <a:fld id="{3A2F720F-32C2-4E6A-BEE6-680F2789BE1C}" type="datetimeFigureOut">
               <a:rPr lang="pt-BR" smtClean="0"/>
-              <a:t>02/10/2021</a:t>
+              <a:t>13/11/2021</a:t>
             </a:fld>
             <a:endParaRPr lang="pt-BR"/>
           </a:p>
@@ -6810,7 +6810,7 @@
           <a:p>
             <a:fld id="{3A2F720F-32C2-4E6A-BEE6-680F2789BE1C}" type="datetimeFigureOut">
               <a:rPr lang="pt-BR" smtClean="0"/>
-              <a:t>02/10/2021</a:t>
+              <a:t>13/11/2021</a:t>
             </a:fld>
             <a:endParaRPr lang="pt-BR"/>
           </a:p>
@@ -7065,7 +7065,7 @@
           <a:p>
             <a:fld id="{3A2F720F-32C2-4E6A-BEE6-680F2789BE1C}" type="datetimeFigureOut">
               <a:rPr lang="pt-BR" smtClean="0"/>
-              <a:t>02/10/2021</a:t>
+              <a:t>13/11/2021</a:t>
             </a:fld>
             <a:endParaRPr lang="pt-BR"/>
           </a:p>
@@ -7328,7 +7328,7 @@
           <a:p>
             <a:fld id="{3A2F720F-32C2-4E6A-BEE6-680F2789BE1C}" type="datetimeFigureOut">
               <a:rPr lang="pt-BR" smtClean="0"/>
-              <a:t>02/10/2021</a:t>
+              <a:t>13/11/2021</a:t>
             </a:fld>
             <a:endParaRPr lang="pt-BR"/>
           </a:p>
@@ -8073,7 +8073,7 @@
           <a:p>
             <a:fld id="{3A2F720F-32C2-4E6A-BEE6-680F2789BE1C}" type="datetimeFigureOut">
               <a:rPr lang="pt-BR" smtClean="0"/>
-              <a:t>02/10/2021</a:t>
+              <a:t>13/11/2021</a:t>
             </a:fld>
             <a:endParaRPr lang="pt-BR"/>
           </a:p>
@@ -9086,28 +9086,14 @@
           <a:p>
             <a:r>
               <a:rPr lang="pt-BR" sz="2800" dirty="0"/>
-              <a:t>Switch-case (escolha e </a:t>
-            </a:r>
-            <a:r>
-              <a:rPr lang="pt-BR" sz="2800"/>
-              <a:t>caso). </a:t>
-            </a:r>
-          </a:p>
-          <a:p>
-            <a:r>
-              <a:rPr lang="pt-BR" sz="2800"/>
-              <a:t>Introdução </a:t>
-            </a:r>
+              <a:t>Switch-case (escolha e caso). </a:t>
+            </a:r>
+          </a:p>
+          <a:p>
             <a:r>
               <a:rPr lang="pt-BR" sz="2800" dirty="0"/>
-              <a:t>a escopo.</a:t>
-            </a:r>
-          </a:p>
-          <a:p>
-            <a:endParaRPr lang="pt-BR" sz="2800" dirty="0"/>
-          </a:p>
-          <a:p>
-            <a:endParaRPr lang="pt-BR" sz="2800" dirty="0"/>
+              <a:t>Introdução a escopo.</a:t>
+            </a:r>
           </a:p>
         </p:txBody>
       </p:sp>
